--- a/Clustering Algorithms.pptx
+++ b/Clustering Algorithms.pptx
@@ -35,7 +35,10 @@
     <p:sldId id="285" r:id="rId29"/>
     <p:sldId id="286" r:id="rId30"/>
     <p:sldId id="288" r:id="rId31"/>
-    <p:sldId id="289" r:id="rId32"/>
+    <p:sldId id="290" r:id="rId32"/>
+    <p:sldId id="291" r:id="rId33"/>
+    <p:sldId id="289" r:id="rId34"/>
+    <p:sldId id="292" r:id="rId35"/>
   </p:sldIdLst>
   <p:sldSz cx="9144000" cy="6858000" type="screen4x3"/>
   <p:notesSz cx="6858000" cy="9144000"/>
@@ -763,7 +766,7 @@
             <a:fld id="{1D8BD707-D9CF-40AE-B4C6-C98DA3205C09}" type="datetimeFigureOut">
               <a:rPr lang="en-US" smtClean="0"/>
               <a:pPr/>
-              <a:t>9/3/2025</a:t>
+              <a:t>9/5/2025</a:t>
             </a:fld>
             <a:endParaRPr lang="en-US"/>
           </a:p>
@@ -961,7 +964,7 @@
             <a:fld id="{1D8BD707-D9CF-40AE-B4C6-C98DA3205C09}" type="datetimeFigureOut">
               <a:rPr lang="en-US" smtClean="0"/>
               <a:pPr/>
-              <a:t>9/3/2025</a:t>
+              <a:t>9/5/2025</a:t>
             </a:fld>
             <a:endParaRPr lang="en-US"/>
           </a:p>
@@ -1148,7 +1151,7 @@
             <a:fld id="{1D8BD707-D9CF-40AE-B4C6-C98DA3205C09}" type="datetimeFigureOut">
               <a:rPr lang="en-US" smtClean="0"/>
               <a:pPr/>
-              <a:t>9/3/2025</a:t>
+              <a:t>9/5/2025</a:t>
             </a:fld>
             <a:endParaRPr lang="en-US"/>
           </a:p>
@@ -1300,7 +1303,7 @@
             <a:fld id="{1D8BD707-D9CF-40AE-B4C6-C98DA3205C09}" type="datetimeFigureOut">
               <a:rPr lang="en-US" smtClean="0"/>
               <a:pPr/>
-              <a:t>9/3/2025</a:t>
+              <a:t>9/5/2025</a:t>
             </a:fld>
             <a:endParaRPr lang="en-US"/>
           </a:p>
@@ -1557,7 +1560,7 @@
             <a:fld id="{1D8BD707-D9CF-40AE-B4C6-C98DA3205C09}" type="datetimeFigureOut">
               <a:rPr lang="en-US" smtClean="0"/>
               <a:pPr/>
-              <a:t>9/3/2025</a:t>
+              <a:t>9/5/2025</a:t>
             </a:fld>
             <a:endParaRPr lang="en-US"/>
           </a:p>
@@ -1968,7 +1971,7 @@
             <a:fld id="{1D8BD707-D9CF-40AE-B4C6-C98DA3205C09}" type="datetimeFigureOut">
               <a:rPr lang="en-US" smtClean="0"/>
               <a:pPr/>
-              <a:t>9/3/2025</a:t>
+              <a:t>9/5/2025</a:t>
             </a:fld>
             <a:endParaRPr lang="en-US"/>
           </a:p>
@@ -2416,7 +2419,7 @@
             <a:fld id="{1D8BD707-D9CF-40AE-B4C6-C98DA3205C09}" type="datetimeFigureOut">
               <a:rPr lang="en-US" smtClean="0"/>
               <a:pPr/>
-              <a:t>9/3/2025</a:t>
+              <a:t>9/5/2025</a:t>
             </a:fld>
             <a:endParaRPr lang="en-US"/>
           </a:p>
@@ -2519,7 +2522,7 @@
             <a:fld id="{1D8BD707-D9CF-40AE-B4C6-C98DA3205C09}" type="datetimeFigureOut">
               <a:rPr lang="en-US" smtClean="0"/>
               <a:pPr/>
-              <a:t>9/3/2025</a:t>
+              <a:t>9/5/2025</a:t>
             </a:fld>
             <a:endParaRPr lang="en-US"/>
           </a:p>
@@ -2642,7 +2645,7 @@
             <a:fld id="{1D8BD707-D9CF-40AE-B4C6-C98DA3205C09}" type="datetimeFigureOut">
               <a:rPr lang="en-US" smtClean="0"/>
               <a:pPr/>
-              <a:t>9/3/2025</a:t>
+              <a:t>9/5/2025</a:t>
             </a:fld>
             <a:endParaRPr lang="en-US"/>
           </a:p>
@@ -2918,7 +2921,7 @@
             <a:fld id="{1D8BD707-D9CF-40AE-B4C6-C98DA3205C09}" type="datetimeFigureOut">
               <a:rPr lang="en-US" smtClean="0"/>
               <a:pPr/>
-              <a:t>9/3/2025</a:t>
+              <a:t>9/5/2025</a:t>
             </a:fld>
             <a:endParaRPr lang="en-US"/>
           </a:p>
@@ -3125,7 +3128,7 @@
             <a:fld id="{1D8BD707-D9CF-40AE-B4C6-C98DA3205C09}" type="datetimeFigureOut">
               <a:rPr lang="en-US" smtClean="0"/>
               <a:pPr/>
-              <a:t>9/3/2025</a:t>
+              <a:t>9/5/2025</a:t>
             </a:fld>
             <a:endParaRPr lang="en-US"/>
           </a:p>
@@ -4236,7 +4239,7 @@
             <a:fld id="{1D8BD707-D9CF-40AE-B4C6-C98DA3205C09}" type="datetimeFigureOut">
               <a:rPr lang="en-US" smtClean="0"/>
               <a:pPr/>
-              <a:t>9/3/2025</a:t>
+              <a:t>9/5/2025</a:t>
             </a:fld>
             <a:endParaRPr lang="en-US"/>
           </a:p>
@@ -4702,11 +4705,7 @@
           <a:p>
             <a:r>
               <a:rPr lang="en-US" sz="2400" b="1" dirty="0" smtClean="0"/>
-              <a:t>Affinity </a:t>
-            </a:r>
-            <a:r>
-              <a:rPr lang="en-US" sz="2400" b="1" dirty="0" smtClean="0"/>
-              <a:t>Propagation</a:t>
+              <a:t>Affinity Propagation</a:t>
             </a:r>
           </a:p>
           <a:p>
@@ -4720,7 +4719,6 @@
               <a:rPr lang="en-US" sz="2400" b="1" dirty="0" smtClean="0"/>
               <a:t>DBSCAN</a:t>
             </a:r>
-            <a:endParaRPr lang="en-US" sz="2400" b="1" dirty="0" smtClean="0"/>
           </a:p>
           <a:p>
             <a:r>
@@ -8417,7 +8415,7 @@
         </p:blipFill>
         <p:spPr bwMode="auto">
           <a:xfrm>
-            <a:off x="990600" y="2057400"/>
+            <a:off x="838200" y="1143000"/>
             <a:ext cx="7086600" cy="4343400"/>
           </a:xfrm>
           <a:prstGeom prst="rect">
@@ -9415,6 +9413,2248 @@
           <a:chExt cx="0" cy="0"/>
         </a:xfrm>
       </p:grpSpPr>
+      <p:graphicFrame>
+        <p:nvGraphicFramePr>
+          <p:cNvPr id="4" name="Content Placeholder 3"/>
+          <p:cNvGraphicFramePr>
+            <a:graphicFrameLocks noGrp="1"/>
+          </p:cNvGraphicFramePr>
+          <p:nvPr>
+            <p:ph idx="1"/>
+            <p:extLst>
+              <p:ext uri="{D42A27DB-BD31-4B8C-83A1-F6EECF244321}">
+                <p14:modId xmlns:p14="http://schemas.microsoft.com/office/powerpoint/2010/main" val="2496383049"/>
+              </p:ext>
+            </p:extLst>
+          </p:nvPr>
+        </p:nvGraphicFramePr>
+        <p:xfrm>
+          <a:off x="304800" y="914401"/>
+          <a:ext cx="8762999" cy="5791200"/>
+        </p:xfrm>
+        <a:graphic>
+          <a:graphicData uri="http://schemas.openxmlformats.org/drawingml/2006/table">
+            <a:tbl>
+              <a:tblPr/>
+              <a:tblGrid>
+                <a:gridCol w="1523994"/>
+                <a:gridCol w="1447801"/>
+                <a:gridCol w="1447801"/>
+                <a:gridCol w="1447801"/>
+                <a:gridCol w="1447801"/>
+                <a:gridCol w="1447801"/>
+              </a:tblGrid>
+              <a:tr h="253365">
+                <a:tc>
+                  <a:txBody>
+                    <a:bodyPr/>
+                    <a:lstStyle/>
+                    <a:p>
+                      <a:r>
+                        <a:rPr lang="en-IN" sz="1200" b="1" dirty="0"/>
+                        <a:t>Algorithm</a:t>
+                      </a:r>
+                    </a:p>
+                  </a:txBody>
+                  <a:tcPr marL="28287" marR="28287" marT="14144" marB="14144" anchor="ctr">
+                    <a:lnL>
+                      <a:noFill/>
+                    </a:lnL>
+                    <a:lnR>
+                      <a:noFill/>
+                    </a:lnR>
+                    <a:lnT>
+                      <a:noFill/>
+                    </a:lnT>
+                    <a:lnB>
+                      <a:noFill/>
+                    </a:lnB>
+                  </a:tcPr>
+                </a:tc>
+                <a:tc>
+                  <a:txBody>
+                    <a:bodyPr/>
+                    <a:lstStyle/>
+                    <a:p>
+                      <a:r>
+                        <a:rPr lang="en-IN" sz="1200" b="1" dirty="0"/>
+                        <a:t>Type</a:t>
+                      </a:r>
+                    </a:p>
+                  </a:txBody>
+                  <a:tcPr marL="28287" marR="28287" marT="14144" marB="14144" anchor="ctr">
+                    <a:lnL>
+                      <a:noFill/>
+                    </a:lnL>
+                    <a:lnR>
+                      <a:noFill/>
+                    </a:lnR>
+                    <a:lnT>
+                      <a:noFill/>
+                    </a:lnT>
+                    <a:lnB>
+                      <a:noFill/>
+                    </a:lnB>
+                  </a:tcPr>
+                </a:tc>
+                <a:tc>
+                  <a:txBody>
+                    <a:bodyPr/>
+                    <a:lstStyle/>
+                    <a:p>
+                      <a:r>
+                        <a:rPr lang="en-IN" sz="1200" b="1" dirty="0"/>
+                        <a:t>Assumptions</a:t>
+                      </a:r>
+                    </a:p>
+                  </a:txBody>
+                  <a:tcPr marL="28287" marR="28287" marT="14144" marB="14144" anchor="ctr">
+                    <a:lnL>
+                      <a:noFill/>
+                    </a:lnL>
+                    <a:lnR>
+                      <a:noFill/>
+                    </a:lnR>
+                    <a:lnT>
+                      <a:noFill/>
+                    </a:lnT>
+                    <a:lnB>
+                      <a:noFill/>
+                    </a:lnB>
+                  </a:tcPr>
+                </a:tc>
+                <a:tc>
+                  <a:txBody>
+                    <a:bodyPr/>
+                    <a:lstStyle/>
+                    <a:p>
+                      <a:r>
+                        <a:rPr lang="en-IN" sz="1200" b="1" dirty="0"/>
+                        <a:t>Pros</a:t>
+                      </a:r>
+                    </a:p>
+                  </a:txBody>
+                  <a:tcPr marL="28287" marR="28287" marT="14144" marB="14144" anchor="ctr">
+                    <a:lnL>
+                      <a:noFill/>
+                    </a:lnL>
+                    <a:lnR>
+                      <a:noFill/>
+                    </a:lnR>
+                    <a:lnT>
+                      <a:noFill/>
+                    </a:lnT>
+                    <a:lnB>
+                      <a:noFill/>
+                    </a:lnB>
+                  </a:tcPr>
+                </a:tc>
+                <a:tc>
+                  <a:txBody>
+                    <a:bodyPr/>
+                    <a:lstStyle/>
+                    <a:p>
+                      <a:r>
+                        <a:rPr lang="en-IN" sz="1200" b="1" dirty="0"/>
+                        <a:t>Cons</a:t>
+                      </a:r>
+                    </a:p>
+                  </a:txBody>
+                  <a:tcPr marL="28287" marR="28287" marT="14144" marB="14144" anchor="ctr">
+                    <a:lnL>
+                      <a:noFill/>
+                    </a:lnL>
+                    <a:lnR>
+                      <a:noFill/>
+                    </a:lnR>
+                    <a:lnT>
+                      <a:noFill/>
+                    </a:lnT>
+                    <a:lnB>
+                      <a:noFill/>
+                    </a:lnB>
+                  </a:tcPr>
+                </a:tc>
+                <a:tc>
+                  <a:txBody>
+                    <a:bodyPr/>
+                    <a:lstStyle/>
+                    <a:p>
+                      <a:r>
+                        <a:rPr lang="en-IN" sz="1200" b="1" dirty="0"/>
+                        <a:t>Suitable For</a:t>
+                      </a:r>
+                    </a:p>
+                  </a:txBody>
+                  <a:tcPr marL="28287" marR="28287" marT="14144" marB="14144" anchor="ctr">
+                    <a:lnL>
+                      <a:noFill/>
+                    </a:lnL>
+                    <a:lnR>
+                      <a:noFill/>
+                    </a:lnR>
+                    <a:lnT>
+                      <a:noFill/>
+                    </a:lnT>
+                    <a:lnB>
+                      <a:noFill/>
+                    </a:lnB>
+                  </a:tcPr>
+                </a:tc>
+              </a:tr>
+              <a:tr h="579120">
+                <a:tc>
+                  <a:txBody>
+                    <a:bodyPr/>
+                    <a:lstStyle/>
+                    <a:p>
+                      <a:r>
+                        <a:rPr lang="en-IN" sz="1050" b="1" dirty="0"/>
+                        <a:t>K-Means</a:t>
+                      </a:r>
+                      <a:endParaRPr lang="en-IN" sz="1050" dirty="0"/>
+                    </a:p>
+                  </a:txBody>
+                  <a:tcPr marL="28287" marR="28287" marT="14144" marB="14144" anchor="ctr">
+                    <a:lnL>
+                      <a:noFill/>
+                    </a:lnL>
+                    <a:lnR>
+                      <a:noFill/>
+                    </a:lnR>
+                    <a:lnT>
+                      <a:noFill/>
+                    </a:lnT>
+                    <a:lnB>
+                      <a:noFill/>
+                    </a:lnB>
+                  </a:tcPr>
+                </a:tc>
+                <a:tc>
+                  <a:txBody>
+                    <a:bodyPr/>
+                    <a:lstStyle/>
+                    <a:p>
+                      <a:r>
+                        <a:rPr lang="en-IN" sz="1050"/>
+                        <a:t>Centroid-based</a:t>
+                      </a:r>
+                    </a:p>
+                  </a:txBody>
+                  <a:tcPr marL="28287" marR="28287" marT="14144" marB="14144" anchor="ctr">
+                    <a:lnL>
+                      <a:noFill/>
+                    </a:lnL>
+                    <a:lnR>
+                      <a:noFill/>
+                    </a:lnR>
+                    <a:lnT>
+                      <a:noFill/>
+                    </a:lnT>
+                    <a:lnB>
+                      <a:noFill/>
+                    </a:lnB>
+                  </a:tcPr>
+                </a:tc>
+                <a:tc>
+                  <a:txBody>
+                    <a:bodyPr/>
+                    <a:lstStyle/>
+                    <a:p>
+                      <a:r>
+                        <a:rPr lang="en-US" sz="1050" dirty="0"/>
+                        <a:t>Spherical clusters of equal size</a:t>
+                      </a:r>
+                    </a:p>
+                  </a:txBody>
+                  <a:tcPr marL="28287" marR="28287" marT="14144" marB="14144" anchor="ctr">
+                    <a:lnL>
+                      <a:noFill/>
+                    </a:lnL>
+                    <a:lnR>
+                      <a:noFill/>
+                    </a:lnR>
+                    <a:lnT>
+                      <a:noFill/>
+                    </a:lnT>
+                    <a:lnB>
+                      <a:noFill/>
+                    </a:lnB>
+                  </a:tcPr>
+                </a:tc>
+                <a:tc>
+                  <a:txBody>
+                    <a:bodyPr/>
+                    <a:lstStyle/>
+                    <a:p>
+                      <a:r>
+                        <a:rPr lang="en-IN" sz="1050"/>
+                        <a:t>Simple, fast, scalable</a:t>
+                      </a:r>
+                    </a:p>
+                  </a:txBody>
+                  <a:tcPr marL="28287" marR="28287" marT="14144" marB="14144" anchor="ctr">
+                    <a:lnL>
+                      <a:noFill/>
+                    </a:lnL>
+                    <a:lnR>
+                      <a:noFill/>
+                    </a:lnR>
+                    <a:lnT>
+                      <a:noFill/>
+                    </a:lnT>
+                    <a:lnB>
+                      <a:noFill/>
+                    </a:lnB>
+                  </a:tcPr>
+                </a:tc>
+                <a:tc>
+                  <a:txBody>
+                    <a:bodyPr/>
+                    <a:lstStyle/>
+                    <a:p>
+                      <a:r>
+                        <a:rPr lang="en-US" sz="1050"/>
+                        <a:t>Requires k, sensitive to outliers</a:t>
+                      </a:r>
+                    </a:p>
+                  </a:txBody>
+                  <a:tcPr marL="28287" marR="28287" marT="14144" marB="14144" anchor="ctr">
+                    <a:lnL>
+                      <a:noFill/>
+                    </a:lnL>
+                    <a:lnR>
+                      <a:noFill/>
+                    </a:lnR>
+                    <a:lnT>
+                      <a:noFill/>
+                    </a:lnT>
+                    <a:lnB>
+                      <a:noFill/>
+                    </a:lnB>
+                  </a:tcPr>
+                </a:tc>
+                <a:tc>
+                  <a:txBody>
+                    <a:bodyPr/>
+                    <a:lstStyle/>
+                    <a:p>
+                      <a:r>
+                        <a:rPr lang="en-IN" sz="1050"/>
+                        <a:t>Large datasets, well-separated data</a:t>
+                      </a:r>
+                    </a:p>
+                  </a:txBody>
+                  <a:tcPr marL="28287" marR="28287" marT="14144" marB="14144" anchor="ctr">
+                    <a:lnL>
+                      <a:noFill/>
+                    </a:lnL>
+                    <a:lnR>
+                      <a:noFill/>
+                    </a:lnR>
+                    <a:lnT>
+                      <a:noFill/>
+                    </a:lnT>
+                    <a:lnB>
+                      <a:noFill/>
+                    </a:lnB>
+                  </a:tcPr>
+                </a:tc>
+              </a:tr>
+              <a:tr h="579120">
+                <a:tc>
+                  <a:txBody>
+                    <a:bodyPr/>
+                    <a:lstStyle/>
+                    <a:p>
+                      <a:r>
+                        <a:rPr lang="en-IN" sz="1050" b="1" dirty="0"/>
+                        <a:t>Hierarchical</a:t>
+                      </a:r>
+                      <a:endParaRPr lang="en-IN" sz="1050" dirty="0"/>
+                    </a:p>
+                  </a:txBody>
+                  <a:tcPr marL="28287" marR="28287" marT="14144" marB="14144" anchor="ctr">
+                    <a:lnL>
+                      <a:noFill/>
+                    </a:lnL>
+                    <a:lnR>
+                      <a:noFill/>
+                    </a:lnR>
+                    <a:lnT>
+                      <a:noFill/>
+                    </a:lnT>
+                    <a:lnB>
+                      <a:noFill/>
+                    </a:lnB>
+                  </a:tcPr>
+                </a:tc>
+                <a:tc>
+                  <a:txBody>
+                    <a:bodyPr/>
+                    <a:lstStyle/>
+                    <a:p>
+                      <a:r>
+                        <a:rPr lang="en-IN" sz="1050" dirty="0"/>
+                        <a:t>Connectivity-based</a:t>
+                      </a:r>
+                    </a:p>
+                  </a:txBody>
+                  <a:tcPr marL="28287" marR="28287" marT="14144" marB="14144" anchor="ctr">
+                    <a:lnL>
+                      <a:noFill/>
+                    </a:lnL>
+                    <a:lnR>
+                      <a:noFill/>
+                    </a:lnR>
+                    <a:lnT>
+                      <a:noFill/>
+                    </a:lnT>
+                    <a:lnB>
+                      <a:noFill/>
+                    </a:lnB>
+                  </a:tcPr>
+                </a:tc>
+                <a:tc>
+                  <a:txBody>
+                    <a:bodyPr/>
+                    <a:lstStyle/>
+                    <a:p>
+                      <a:r>
+                        <a:rPr lang="en-IN" sz="1050"/>
+                        <a:t>Hierarchical structure</a:t>
+                      </a:r>
+                    </a:p>
+                  </a:txBody>
+                  <a:tcPr marL="28287" marR="28287" marT="14144" marB="14144" anchor="ctr">
+                    <a:lnL>
+                      <a:noFill/>
+                    </a:lnL>
+                    <a:lnR>
+                      <a:noFill/>
+                    </a:lnR>
+                    <a:lnT>
+                      <a:noFill/>
+                    </a:lnT>
+                    <a:lnB>
+                      <a:noFill/>
+                    </a:lnB>
+                  </a:tcPr>
+                </a:tc>
+                <a:tc>
+                  <a:txBody>
+                    <a:bodyPr/>
+                    <a:lstStyle/>
+                    <a:p>
+                      <a:r>
+                        <a:rPr lang="en-US" sz="1050"/>
+                        <a:t>No need to specify k, dendrogram</a:t>
+                      </a:r>
+                    </a:p>
+                  </a:txBody>
+                  <a:tcPr marL="28287" marR="28287" marT="14144" marB="14144" anchor="ctr">
+                    <a:lnL>
+                      <a:noFill/>
+                    </a:lnL>
+                    <a:lnR>
+                      <a:noFill/>
+                    </a:lnR>
+                    <a:lnT>
+                      <a:noFill/>
+                    </a:lnT>
+                    <a:lnB>
+                      <a:noFill/>
+                    </a:lnB>
+                  </a:tcPr>
+                </a:tc>
+                <a:tc>
+                  <a:txBody>
+                    <a:bodyPr/>
+                    <a:lstStyle/>
+                    <a:p>
+                      <a:r>
+                        <a:rPr lang="en-US" sz="1050"/>
+                        <a:t>Not scalable for large datasets</a:t>
+                      </a:r>
+                    </a:p>
+                  </a:txBody>
+                  <a:tcPr marL="28287" marR="28287" marT="14144" marB="14144" anchor="ctr">
+                    <a:lnL>
+                      <a:noFill/>
+                    </a:lnL>
+                    <a:lnR>
+                      <a:noFill/>
+                    </a:lnR>
+                    <a:lnT>
+                      <a:noFill/>
+                    </a:lnT>
+                    <a:lnB>
+                      <a:noFill/>
+                    </a:lnB>
+                  </a:tcPr>
+                </a:tc>
+                <a:tc>
+                  <a:txBody>
+                    <a:bodyPr/>
+                    <a:lstStyle/>
+                    <a:p>
+                      <a:r>
+                        <a:rPr lang="en-IN" sz="1050"/>
+                        <a:t>Small datasets, visual exploration</a:t>
+                      </a:r>
+                    </a:p>
+                  </a:txBody>
+                  <a:tcPr marL="28287" marR="28287" marT="14144" marB="14144" anchor="ctr">
+                    <a:lnL>
+                      <a:noFill/>
+                    </a:lnL>
+                    <a:lnR>
+                      <a:noFill/>
+                    </a:lnR>
+                    <a:lnT>
+                      <a:noFill/>
+                    </a:lnT>
+                    <a:lnB>
+                      <a:noFill/>
+                    </a:lnB>
+                  </a:tcPr>
+                </a:tc>
+              </a:tr>
+              <a:tr h="687705">
+                <a:tc>
+                  <a:txBody>
+                    <a:bodyPr/>
+                    <a:lstStyle/>
+                    <a:p>
+                      <a:r>
+                        <a:rPr lang="en-IN" sz="1050" b="1"/>
+                        <a:t>DBSCAN</a:t>
+                      </a:r>
+                      <a:endParaRPr lang="en-IN" sz="1050"/>
+                    </a:p>
+                  </a:txBody>
+                  <a:tcPr marL="28287" marR="28287" marT="14144" marB="14144" anchor="ctr">
+                    <a:lnL>
+                      <a:noFill/>
+                    </a:lnL>
+                    <a:lnR>
+                      <a:noFill/>
+                    </a:lnR>
+                    <a:lnT>
+                      <a:noFill/>
+                    </a:lnT>
+                    <a:lnB>
+                      <a:noFill/>
+                    </a:lnB>
+                  </a:tcPr>
+                </a:tc>
+                <a:tc>
+                  <a:txBody>
+                    <a:bodyPr/>
+                    <a:lstStyle/>
+                    <a:p>
+                      <a:r>
+                        <a:rPr lang="en-IN" sz="1050" dirty="0"/>
+                        <a:t>Density-based</a:t>
+                      </a:r>
+                    </a:p>
+                  </a:txBody>
+                  <a:tcPr marL="28287" marR="28287" marT="14144" marB="14144" anchor="ctr">
+                    <a:lnL>
+                      <a:noFill/>
+                    </a:lnL>
+                    <a:lnR>
+                      <a:noFill/>
+                    </a:lnR>
+                    <a:lnT>
+                      <a:noFill/>
+                    </a:lnT>
+                    <a:lnB>
+                      <a:noFill/>
+                    </a:lnB>
+                  </a:tcPr>
+                </a:tc>
+                <a:tc>
+                  <a:txBody>
+                    <a:bodyPr/>
+                    <a:lstStyle/>
+                    <a:p>
+                      <a:r>
+                        <a:rPr lang="en-US" sz="1050" dirty="0"/>
+                        <a:t>Dense regions separated by sparse</a:t>
+                      </a:r>
+                    </a:p>
+                  </a:txBody>
+                  <a:tcPr marL="28287" marR="28287" marT="14144" marB="14144" anchor="ctr">
+                    <a:lnL>
+                      <a:noFill/>
+                    </a:lnL>
+                    <a:lnR>
+                      <a:noFill/>
+                    </a:lnR>
+                    <a:lnT>
+                      <a:noFill/>
+                    </a:lnT>
+                    <a:lnB>
+                      <a:noFill/>
+                    </a:lnB>
+                  </a:tcPr>
+                </a:tc>
+                <a:tc>
+                  <a:txBody>
+                    <a:bodyPr/>
+                    <a:lstStyle/>
+                    <a:p>
+                      <a:r>
+                        <a:rPr lang="en-US" sz="1050"/>
+                        <a:t>Finds arbitrary-shaped clusters, outlier detection</a:t>
+                      </a:r>
+                    </a:p>
+                  </a:txBody>
+                  <a:tcPr marL="28287" marR="28287" marT="14144" marB="14144" anchor="ctr">
+                    <a:lnL>
+                      <a:noFill/>
+                    </a:lnL>
+                    <a:lnR>
+                      <a:noFill/>
+                    </a:lnR>
+                    <a:lnT>
+                      <a:noFill/>
+                    </a:lnT>
+                    <a:lnB>
+                      <a:noFill/>
+                    </a:lnB>
+                  </a:tcPr>
+                </a:tc>
+                <a:tc>
+                  <a:txBody>
+                    <a:bodyPr/>
+                    <a:lstStyle/>
+                    <a:p>
+                      <a:r>
+                        <a:rPr lang="en-IN" sz="1050"/>
+                        <a:t>Struggles with varying densities</a:t>
+                      </a:r>
+                    </a:p>
+                  </a:txBody>
+                  <a:tcPr marL="28287" marR="28287" marT="14144" marB="14144" anchor="ctr">
+                    <a:lnL>
+                      <a:noFill/>
+                    </a:lnL>
+                    <a:lnR>
+                      <a:noFill/>
+                    </a:lnR>
+                    <a:lnT>
+                      <a:noFill/>
+                    </a:lnT>
+                    <a:lnB>
+                      <a:noFill/>
+                    </a:lnB>
+                  </a:tcPr>
+                </a:tc>
+                <a:tc>
+                  <a:txBody>
+                    <a:bodyPr/>
+                    <a:lstStyle/>
+                    <a:p>
+                      <a:r>
+                        <a:rPr lang="en-IN" sz="1050"/>
+                        <a:t>Spatial data, noise-tolerant tasks</a:t>
+                      </a:r>
+                    </a:p>
+                  </a:txBody>
+                  <a:tcPr marL="28287" marR="28287" marT="14144" marB="14144" anchor="ctr">
+                    <a:lnL>
+                      <a:noFill/>
+                    </a:lnL>
+                    <a:lnR>
+                      <a:noFill/>
+                    </a:lnR>
+                    <a:lnT>
+                      <a:noFill/>
+                    </a:lnT>
+                    <a:lnB>
+                      <a:noFill/>
+                    </a:lnB>
+                  </a:tcPr>
+                </a:tc>
+              </a:tr>
+              <a:tr h="470535">
+                <a:tc>
+                  <a:txBody>
+                    <a:bodyPr/>
+                    <a:lstStyle/>
+                    <a:p>
+                      <a:r>
+                        <a:rPr lang="en-IN" sz="1050" b="1"/>
+                        <a:t>OPTICS</a:t>
+                      </a:r>
+                      <a:endParaRPr lang="en-IN" sz="1050"/>
+                    </a:p>
+                  </a:txBody>
+                  <a:tcPr marL="28287" marR="28287" marT="14144" marB="14144" anchor="ctr">
+                    <a:lnL>
+                      <a:noFill/>
+                    </a:lnL>
+                    <a:lnR>
+                      <a:noFill/>
+                    </a:lnR>
+                    <a:lnT>
+                      <a:noFill/>
+                    </a:lnT>
+                    <a:lnB>
+                      <a:noFill/>
+                    </a:lnB>
+                  </a:tcPr>
+                </a:tc>
+                <a:tc>
+                  <a:txBody>
+                    <a:bodyPr/>
+                    <a:lstStyle/>
+                    <a:p>
+                      <a:r>
+                        <a:rPr lang="en-IN" sz="1050"/>
+                        <a:t>Density-based</a:t>
+                      </a:r>
+                    </a:p>
+                  </a:txBody>
+                  <a:tcPr marL="28287" marR="28287" marT="14144" marB="14144" anchor="ctr">
+                    <a:lnL>
+                      <a:noFill/>
+                    </a:lnL>
+                    <a:lnR>
+                      <a:noFill/>
+                    </a:lnR>
+                    <a:lnT>
+                      <a:noFill/>
+                    </a:lnT>
+                    <a:lnB>
+                      <a:noFill/>
+                    </a:lnB>
+                  </a:tcPr>
+                </a:tc>
+                <a:tc>
+                  <a:txBody>
+                    <a:bodyPr/>
+                    <a:lstStyle/>
+                    <a:p>
+                      <a:r>
+                        <a:rPr lang="en-US" sz="1050"/>
+                        <a:t>Similar to DBSCAN, but more flexible</a:t>
+                      </a:r>
+                    </a:p>
+                  </a:txBody>
+                  <a:tcPr marL="28287" marR="28287" marT="14144" marB="14144" anchor="ctr">
+                    <a:lnL>
+                      <a:noFill/>
+                    </a:lnL>
+                    <a:lnR>
+                      <a:noFill/>
+                    </a:lnR>
+                    <a:lnT>
+                      <a:noFill/>
+                    </a:lnT>
+                    <a:lnB>
+                      <a:noFill/>
+                    </a:lnB>
+                  </a:tcPr>
+                </a:tc>
+                <a:tc>
+                  <a:txBody>
+                    <a:bodyPr/>
+                    <a:lstStyle/>
+                    <a:p>
+                      <a:r>
+                        <a:rPr lang="en-IN" sz="1050"/>
+                        <a:t>Handles varying densities</a:t>
+                      </a:r>
+                    </a:p>
+                  </a:txBody>
+                  <a:tcPr marL="28287" marR="28287" marT="14144" marB="14144" anchor="ctr">
+                    <a:lnL>
+                      <a:noFill/>
+                    </a:lnL>
+                    <a:lnR>
+                      <a:noFill/>
+                    </a:lnR>
+                    <a:lnT>
+                      <a:noFill/>
+                    </a:lnT>
+                    <a:lnB>
+                      <a:noFill/>
+                    </a:lnB>
+                  </a:tcPr>
+                </a:tc>
+                <a:tc>
+                  <a:txBody>
+                    <a:bodyPr/>
+                    <a:lstStyle/>
+                    <a:p>
+                      <a:r>
+                        <a:rPr lang="en-IN" sz="1050"/>
+                        <a:t>Slower than DBSCAN</a:t>
+                      </a:r>
+                    </a:p>
+                  </a:txBody>
+                  <a:tcPr marL="28287" marR="28287" marT="14144" marB="14144" anchor="ctr">
+                    <a:lnL>
+                      <a:noFill/>
+                    </a:lnL>
+                    <a:lnR>
+                      <a:noFill/>
+                    </a:lnR>
+                    <a:lnT>
+                      <a:noFill/>
+                    </a:lnT>
+                    <a:lnB>
+                      <a:noFill/>
+                    </a:lnB>
+                  </a:tcPr>
+                </a:tc>
+                <a:tc>
+                  <a:txBody>
+                    <a:bodyPr/>
+                    <a:lstStyle/>
+                    <a:p>
+                      <a:r>
+                        <a:rPr lang="en-IN" sz="1050" dirty="0"/>
+                        <a:t>Complex density-based data</a:t>
+                      </a:r>
+                    </a:p>
+                  </a:txBody>
+                  <a:tcPr marL="28287" marR="28287" marT="14144" marB="14144" anchor="ctr">
+                    <a:lnL>
+                      <a:noFill/>
+                    </a:lnL>
+                    <a:lnR>
+                      <a:noFill/>
+                    </a:lnR>
+                    <a:lnT>
+                      <a:noFill/>
+                    </a:lnT>
+                    <a:lnB>
+                      <a:noFill/>
+                    </a:lnB>
+                  </a:tcPr>
+                </a:tc>
+              </a:tr>
+              <a:tr h="796290">
+                <a:tc>
+                  <a:txBody>
+                    <a:bodyPr/>
+                    <a:lstStyle/>
+                    <a:p>
+                      <a:r>
+                        <a:rPr lang="en-IN" sz="1050" b="1"/>
+                        <a:t>Mean Shift</a:t>
+                      </a:r>
+                      <a:endParaRPr lang="en-IN" sz="1050"/>
+                    </a:p>
+                  </a:txBody>
+                  <a:tcPr marL="28287" marR="28287" marT="14144" marB="14144" anchor="ctr">
+                    <a:lnL>
+                      <a:noFill/>
+                    </a:lnL>
+                    <a:lnR>
+                      <a:noFill/>
+                    </a:lnR>
+                    <a:lnT>
+                      <a:noFill/>
+                    </a:lnT>
+                    <a:lnB>
+                      <a:noFill/>
+                    </a:lnB>
+                  </a:tcPr>
+                </a:tc>
+                <a:tc>
+                  <a:txBody>
+                    <a:bodyPr/>
+                    <a:lstStyle/>
+                    <a:p>
+                      <a:r>
+                        <a:rPr lang="en-IN" sz="1050"/>
+                        <a:t>Centroid-based</a:t>
+                      </a:r>
+                    </a:p>
+                  </a:txBody>
+                  <a:tcPr marL="28287" marR="28287" marT="14144" marB="14144" anchor="ctr">
+                    <a:lnL>
+                      <a:noFill/>
+                    </a:lnL>
+                    <a:lnR>
+                      <a:noFill/>
+                    </a:lnR>
+                    <a:lnT>
+                      <a:noFill/>
+                    </a:lnT>
+                    <a:lnB>
+                      <a:noFill/>
+                    </a:lnB>
+                  </a:tcPr>
+                </a:tc>
+                <a:tc>
+                  <a:txBody>
+                    <a:bodyPr/>
+                    <a:lstStyle/>
+                    <a:p>
+                      <a:r>
+                        <a:rPr lang="en-IN" sz="1050"/>
+                        <a:t>Data has dense areas</a:t>
+                      </a:r>
+                    </a:p>
+                  </a:txBody>
+                  <a:tcPr marL="28287" marR="28287" marT="14144" marB="14144" anchor="ctr">
+                    <a:lnL>
+                      <a:noFill/>
+                    </a:lnL>
+                    <a:lnR>
+                      <a:noFill/>
+                    </a:lnR>
+                    <a:lnT>
+                      <a:noFill/>
+                    </a:lnT>
+                    <a:lnB>
+                      <a:noFill/>
+                    </a:lnB>
+                  </a:tcPr>
+                </a:tc>
+                <a:tc>
+                  <a:txBody>
+                    <a:bodyPr/>
+                    <a:lstStyle/>
+                    <a:p>
+                      <a:r>
+                        <a:rPr lang="en-US" sz="1050" dirty="0"/>
+                        <a:t>Does not require k, finds number of clusters automatically</a:t>
+                      </a:r>
+                    </a:p>
+                  </a:txBody>
+                  <a:tcPr marL="28287" marR="28287" marT="14144" marB="14144" anchor="ctr">
+                    <a:lnL>
+                      <a:noFill/>
+                    </a:lnL>
+                    <a:lnR>
+                      <a:noFill/>
+                    </a:lnR>
+                    <a:lnT>
+                      <a:noFill/>
+                    </a:lnT>
+                    <a:lnB>
+                      <a:noFill/>
+                    </a:lnB>
+                  </a:tcPr>
+                </a:tc>
+                <a:tc>
+                  <a:txBody>
+                    <a:bodyPr/>
+                    <a:lstStyle/>
+                    <a:p>
+                      <a:r>
+                        <a:rPr lang="en-IN" sz="1050"/>
+                        <a:t>Computationally expensive</a:t>
+                      </a:r>
+                    </a:p>
+                  </a:txBody>
+                  <a:tcPr marL="28287" marR="28287" marT="14144" marB="14144" anchor="ctr">
+                    <a:lnL>
+                      <a:noFill/>
+                    </a:lnL>
+                    <a:lnR>
+                      <a:noFill/>
+                    </a:lnR>
+                    <a:lnT>
+                      <a:noFill/>
+                    </a:lnT>
+                    <a:lnB>
+                      <a:noFill/>
+                    </a:lnB>
+                  </a:tcPr>
+                </a:tc>
+                <a:tc>
+                  <a:txBody>
+                    <a:bodyPr/>
+                    <a:lstStyle/>
+                    <a:p>
+                      <a:r>
+                        <a:rPr lang="en-IN" sz="1050"/>
+                        <a:t>Image processing, blob detection</a:t>
+                      </a:r>
+                    </a:p>
+                  </a:txBody>
+                  <a:tcPr marL="28287" marR="28287" marT="14144" marB="14144" anchor="ctr">
+                    <a:lnL>
+                      <a:noFill/>
+                    </a:lnL>
+                    <a:lnR>
+                      <a:noFill/>
+                    </a:lnR>
+                    <a:lnT>
+                      <a:noFill/>
+                    </a:lnT>
+                    <a:lnB>
+                      <a:noFill/>
+                    </a:lnB>
+                  </a:tcPr>
+                </a:tc>
+              </a:tr>
+              <a:tr h="796290">
+                <a:tc>
+                  <a:txBody>
+                    <a:bodyPr/>
+                    <a:lstStyle/>
+                    <a:p>
+                      <a:r>
+                        <a:rPr lang="en-IN" sz="1050" b="1" dirty="0"/>
+                        <a:t>Spectral Clustering</a:t>
+                      </a:r>
+                      <a:endParaRPr lang="en-IN" sz="1050" dirty="0"/>
+                    </a:p>
+                  </a:txBody>
+                  <a:tcPr marL="28287" marR="28287" marT="14144" marB="14144" anchor="ctr">
+                    <a:lnL>
+                      <a:noFill/>
+                    </a:lnL>
+                    <a:lnR>
+                      <a:noFill/>
+                    </a:lnR>
+                    <a:lnT>
+                      <a:noFill/>
+                    </a:lnT>
+                    <a:lnB>
+                      <a:noFill/>
+                    </a:lnB>
+                  </a:tcPr>
+                </a:tc>
+                <a:tc>
+                  <a:txBody>
+                    <a:bodyPr/>
+                    <a:lstStyle/>
+                    <a:p>
+                      <a:r>
+                        <a:rPr lang="en-IN" sz="1050" dirty="0"/>
+                        <a:t>Graph-based</a:t>
+                      </a:r>
+                    </a:p>
+                  </a:txBody>
+                  <a:tcPr marL="28287" marR="28287" marT="14144" marB="14144" anchor="ctr">
+                    <a:lnL>
+                      <a:noFill/>
+                    </a:lnL>
+                    <a:lnR>
+                      <a:noFill/>
+                    </a:lnR>
+                    <a:lnT>
+                      <a:noFill/>
+                    </a:lnT>
+                    <a:lnB>
+                      <a:noFill/>
+                    </a:lnB>
+                  </a:tcPr>
+                </a:tc>
+                <a:tc>
+                  <a:txBody>
+                    <a:bodyPr/>
+                    <a:lstStyle/>
+                    <a:p>
+                      <a:r>
+                        <a:rPr lang="en-IN" sz="1050"/>
+                        <a:t>Uses graph theory &amp; eigenvectors</a:t>
+                      </a:r>
+                    </a:p>
+                  </a:txBody>
+                  <a:tcPr marL="28287" marR="28287" marT="14144" marB="14144" anchor="ctr">
+                    <a:lnL>
+                      <a:noFill/>
+                    </a:lnL>
+                    <a:lnR>
+                      <a:noFill/>
+                    </a:lnR>
+                    <a:lnT>
+                      <a:noFill/>
+                    </a:lnT>
+                    <a:lnB>
+                      <a:noFill/>
+                    </a:lnB>
+                  </a:tcPr>
+                </a:tc>
+                <a:tc>
+                  <a:txBody>
+                    <a:bodyPr/>
+                    <a:lstStyle/>
+                    <a:p>
+                      <a:r>
+                        <a:rPr lang="en-IN" sz="1050"/>
+                        <a:t>Captures complex cluster shapes</a:t>
+                      </a:r>
+                    </a:p>
+                  </a:txBody>
+                  <a:tcPr marL="28287" marR="28287" marT="14144" marB="14144" anchor="ctr">
+                    <a:lnL>
+                      <a:noFill/>
+                    </a:lnL>
+                    <a:lnR>
+                      <a:noFill/>
+                    </a:lnR>
+                    <a:lnT>
+                      <a:noFill/>
+                    </a:lnT>
+                    <a:lnB>
+                      <a:noFill/>
+                    </a:lnB>
+                  </a:tcPr>
+                </a:tc>
+                <a:tc>
+                  <a:txBody>
+                    <a:bodyPr/>
+                    <a:lstStyle/>
+                    <a:p>
+                      <a:r>
+                        <a:rPr lang="en-IN" sz="1050" dirty="0"/>
+                        <a:t>Computationally expensive, not scalable</a:t>
+                      </a:r>
+                    </a:p>
+                  </a:txBody>
+                  <a:tcPr marL="28287" marR="28287" marT="14144" marB="14144" anchor="ctr">
+                    <a:lnL>
+                      <a:noFill/>
+                    </a:lnL>
+                    <a:lnR>
+                      <a:noFill/>
+                    </a:lnR>
+                    <a:lnT>
+                      <a:noFill/>
+                    </a:lnT>
+                    <a:lnB>
+                      <a:noFill/>
+                    </a:lnB>
+                  </a:tcPr>
+                </a:tc>
+                <a:tc>
+                  <a:txBody>
+                    <a:bodyPr/>
+                    <a:lstStyle/>
+                    <a:p>
+                      <a:r>
+                        <a:rPr lang="en-IN" sz="1050"/>
+                        <a:t>Non-convex clusters, small datasets</a:t>
+                      </a:r>
+                    </a:p>
+                  </a:txBody>
+                  <a:tcPr marL="28287" marR="28287" marT="14144" marB="14144" anchor="ctr">
+                    <a:lnL>
+                      <a:noFill/>
+                    </a:lnL>
+                    <a:lnR>
+                      <a:noFill/>
+                    </a:lnR>
+                    <a:lnT>
+                      <a:noFill/>
+                    </a:lnT>
+                    <a:lnB>
+                      <a:noFill/>
+                    </a:lnB>
+                  </a:tcPr>
+                </a:tc>
+              </a:tr>
+              <a:tr h="579120">
+                <a:tc>
+                  <a:txBody>
+                    <a:bodyPr/>
+                    <a:lstStyle/>
+                    <a:p>
+                      <a:r>
+                        <a:rPr lang="en-IN" sz="1050" b="1"/>
+                        <a:t>BIRCH</a:t>
+                      </a:r>
+                      <a:endParaRPr lang="en-IN" sz="1050"/>
+                    </a:p>
+                  </a:txBody>
+                  <a:tcPr marL="28287" marR="28287" marT="14144" marB="14144" anchor="ctr">
+                    <a:lnL>
+                      <a:noFill/>
+                    </a:lnL>
+                    <a:lnR>
+                      <a:noFill/>
+                    </a:lnR>
+                    <a:lnT>
+                      <a:noFill/>
+                    </a:lnT>
+                    <a:lnB>
+                      <a:noFill/>
+                    </a:lnB>
+                  </a:tcPr>
+                </a:tc>
+                <a:tc>
+                  <a:txBody>
+                    <a:bodyPr/>
+                    <a:lstStyle/>
+                    <a:p>
+                      <a:r>
+                        <a:rPr lang="en-IN" sz="1050" dirty="0"/>
+                        <a:t>Hierarchical</a:t>
+                      </a:r>
+                    </a:p>
+                  </a:txBody>
+                  <a:tcPr marL="28287" marR="28287" marT="14144" marB="14144" anchor="ctr">
+                    <a:lnL>
+                      <a:noFill/>
+                    </a:lnL>
+                    <a:lnR>
+                      <a:noFill/>
+                    </a:lnR>
+                    <a:lnT>
+                      <a:noFill/>
+                    </a:lnT>
+                    <a:lnB>
+                      <a:noFill/>
+                    </a:lnB>
+                  </a:tcPr>
+                </a:tc>
+                <a:tc>
+                  <a:txBody>
+                    <a:bodyPr/>
+                    <a:lstStyle/>
+                    <a:p>
+                      <a:r>
+                        <a:rPr lang="en-IN" sz="1050" dirty="0"/>
+                        <a:t>Balanced trees</a:t>
+                      </a:r>
+                    </a:p>
+                  </a:txBody>
+                  <a:tcPr marL="28287" marR="28287" marT="14144" marB="14144" anchor="ctr">
+                    <a:lnL>
+                      <a:noFill/>
+                    </a:lnL>
+                    <a:lnR>
+                      <a:noFill/>
+                    </a:lnR>
+                    <a:lnT>
+                      <a:noFill/>
+                    </a:lnT>
+                    <a:lnB>
+                      <a:noFill/>
+                    </a:lnB>
+                  </a:tcPr>
+                </a:tc>
+                <a:tc>
+                  <a:txBody>
+                    <a:bodyPr/>
+                    <a:lstStyle/>
+                    <a:p>
+                      <a:r>
+                        <a:rPr lang="en-US" sz="1050" dirty="0"/>
+                        <a:t>Scalable, good for large data</a:t>
+                      </a:r>
+                    </a:p>
+                  </a:txBody>
+                  <a:tcPr marL="28287" marR="28287" marT="14144" marB="14144" anchor="ctr">
+                    <a:lnL>
+                      <a:noFill/>
+                    </a:lnL>
+                    <a:lnR>
+                      <a:noFill/>
+                    </a:lnR>
+                    <a:lnT>
+                      <a:noFill/>
+                    </a:lnT>
+                    <a:lnB>
+                      <a:noFill/>
+                    </a:lnB>
+                  </a:tcPr>
+                </a:tc>
+                <a:tc>
+                  <a:txBody>
+                    <a:bodyPr/>
+                    <a:lstStyle/>
+                    <a:p>
+                      <a:r>
+                        <a:rPr lang="en-US" sz="1050" dirty="0"/>
+                        <a:t>Performs poorly on non-globular clusters</a:t>
+                      </a:r>
+                    </a:p>
+                  </a:txBody>
+                  <a:tcPr marL="28287" marR="28287" marT="14144" marB="14144" anchor="ctr">
+                    <a:lnL>
+                      <a:noFill/>
+                    </a:lnL>
+                    <a:lnR>
+                      <a:noFill/>
+                    </a:lnR>
+                    <a:lnT>
+                      <a:noFill/>
+                    </a:lnT>
+                    <a:lnB>
+                      <a:noFill/>
+                    </a:lnB>
+                  </a:tcPr>
+                </a:tc>
+                <a:tc>
+                  <a:txBody>
+                    <a:bodyPr/>
+                    <a:lstStyle/>
+                    <a:p>
+                      <a:r>
+                        <a:rPr lang="en-IN" sz="1050" dirty="0"/>
+                        <a:t>Large datasets, incremental clustering</a:t>
+                      </a:r>
+                    </a:p>
+                  </a:txBody>
+                  <a:tcPr marL="28287" marR="28287" marT="14144" marB="14144" anchor="ctr">
+                    <a:lnL>
+                      <a:noFill/>
+                    </a:lnL>
+                    <a:lnR>
+                      <a:noFill/>
+                    </a:lnR>
+                    <a:lnT>
+                      <a:noFill/>
+                    </a:lnT>
+                    <a:lnB>
+                      <a:noFill/>
+                    </a:lnB>
+                  </a:tcPr>
+                </a:tc>
+              </a:tr>
+              <a:tr h="579120">
+                <a:tc>
+                  <a:txBody>
+                    <a:bodyPr/>
+                    <a:lstStyle/>
+                    <a:p>
+                      <a:r>
+                        <a:rPr lang="en-IN" sz="1050" b="1"/>
+                        <a:t>Agglomerative</a:t>
+                      </a:r>
+                      <a:endParaRPr lang="en-IN" sz="1050"/>
+                    </a:p>
+                  </a:txBody>
+                  <a:tcPr marL="28287" marR="28287" marT="14144" marB="14144" anchor="ctr">
+                    <a:lnL>
+                      <a:noFill/>
+                    </a:lnL>
+                    <a:lnR>
+                      <a:noFill/>
+                    </a:lnR>
+                    <a:lnT>
+                      <a:noFill/>
+                    </a:lnT>
+                    <a:lnB>
+                      <a:noFill/>
+                    </a:lnB>
+                  </a:tcPr>
+                </a:tc>
+                <a:tc>
+                  <a:txBody>
+                    <a:bodyPr/>
+                    <a:lstStyle/>
+                    <a:p>
+                      <a:r>
+                        <a:rPr lang="en-IN" sz="1050"/>
+                        <a:t>Hierarchical</a:t>
+                      </a:r>
+                    </a:p>
+                  </a:txBody>
+                  <a:tcPr marL="28287" marR="28287" marT="14144" marB="14144" anchor="ctr">
+                    <a:lnL>
+                      <a:noFill/>
+                    </a:lnL>
+                    <a:lnR>
+                      <a:noFill/>
+                    </a:lnR>
+                    <a:lnT>
+                      <a:noFill/>
+                    </a:lnT>
+                    <a:lnB>
+                      <a:noFill/>
+                    </a:lnB>
+                  </a:tcPr>
+                </a:tc>
+                <a:tc>
+                  <a:txBody>
+                    <a:bodyPr/>
+                    <a:lstStyle/>
+                    <a:p>
+                      <a:r>
+                        <a:rPr lang="en-IN" sz="1050"/>
+                        <a:t>Clusters formed bottom-up</a:t>
+                      </a:r>
+                    </a:p>
+                  </a:txBody>
+                  <a:tcPr marL="28287" marR="28287" marT="14144" marB="14144" anchor="ctr">
+                    <a:lnL>
+                      <a:noFill/>
+                    </a:lnL>
+                    <a:lnR>
+                      <a:noFill/>
+                    </a:lnR>
+                    <a:lnT>
+                      <a:noFill/>
+                    </a:lnT>
+                    <a:lnB>
+                      <a:noFill/>
+                    </a:lnB>
+                  </a:tcPr>
+                </a:tc>
+                <a:tc>
+                  <a:txBody>
+                    <a:bodyPr/>
+                    <a:lstStyle/>
+                    <a:p>
+                      <a:r>
+                        <a:rPr lang="en-IN" sz="1050" dirty="0"/>
+                        <a:t>Easy to understand</a:t>
+                      </a:r>
+                    </a:p>
+                  </a:txBody>
+                  <a:tcPr marL="28287" marR="28287" marT="14144" marB="14144" anchor="ctr">
+                    <a:lnL>
+                      <a:noFill/>
+                    </a:lnL>
+                    <a:lnR>
+                      <a:noFill/>
+                    </a:lnR>
+                    <a:lnT>
+                      <a:noFill/>
+                    </a:lnT>
+                    <a:lnB>
+                      <a:noFill/>
+                    </a:lnB>
+                  </a:tcPr>
+                </a:tc>
+                <a:tc>
+                  <a:txBody>
+                    <a:bodyPr/>
+                    <a:lstStyle/>
+                    <a:p>
+                      <a:r>
+                        <a:rPr lang="en-IN" sz="1050" dirty="0"/>
+                        <a:t>High computational cost</a:t>
+                      </a:r>
+                    </a:p>
+                  </a:txBody>
+                  <a:tcPr marL="28287" marR="28287" marT="14144" marB="14144" anchor="ctr">
+                    <a:lnL>
+                      <a:noFill/>
+                    </a:lnL>
+                    <a:lnR>
+                      <a:noFill/>
+                    </a:lnR>
+                    <a:lnT>
+                      <a:noFill/>
+                    </a:lnT>
+                    <a:lnB>
+                      <a:noFill/>
+                    </a:lnB>
+                  </a:tcPr>
+                </a:tc>
+                <a:tc>
+                  <a:txBody>
+                    <a:bodyPr/>
+                    <a:lstStyle/>
+                    <a:p>
+                      <a:r>
+                        <a:rPr lang="en-IN" sz="1050" dirty="0"/>
+                        <a:t>Small, hierarchical datasets</a:t>
+                      </a:r>
+                    </a:p>
+                  </a:txBody>
+                  <a:tcPr marL="28287" marR="28287" marT="14144" marB="14144" anchor="ctr">
+                    <a:lnL>
+                      <a:noFill/>
+                    </a:lnL>
+                    <a:lnR>
+                      <a:noFill/>
+                    </a:lnR>
+                    <a:lnT>
+                      <a:noFill/>
+                    </a:lnT>
+                    <a:lnB>
+                      <a:noFill/>
+                    </a:lnB>
+                  </a:tcPr>
+                </a:tc>
+              </a:tr>
+              <a:tr h="470535">
+                <a:tc>
+                  <a:txBody>
+                    <a:bodyPr/>
+                    <a:lstStyle/>
+                    <a:p>
+                      <a:endParaRPr lang="en-IN" sz="1050" dirty="0"/>
+                    </a:p>
+                  </a:txBody>
+                  <a:tcPr marL="28287" marR="28287" marT="14144" marB="14144" anchor="ctr">
+                    <a:lnL>
+                      <a:noFill/>
+                    </a:lnL>
+                    <a:lnR>
+                      <a:noFill/>
+                    </a:lnR>
+                    <a:lnT>
+                      <a:noFill/>
+                    </a:lnT>
+                    <a:lnB>
+                      <a:noFill/>
+                    </a:lnB>
+                  </a:tcPr>
+                </a:tc>
+                <a:tc>
+                  <a:txBody>
+                    <a:bodyPr/>
+                    <a:lstStyle/>
+                    <a:p>
+                      <a:endParaRPr lang="en-IN" sz="1050" dirty="0"/>
+                    </a:p>
+                  </a:txBody>
+                  <a:tcPr marL="28287" marR="28287" marT="14144" marB="14144" anchor="ctr">
+                    <a:lnL>
+                      <a:noFill/>
+                    </a:lnL>
+                    <a:lnR>
+                      <a:noFill/>
+                    </a:lnR>
+                    <a:lnT>
+                      <a:noFill/>
+                    </a:lnT>
+                    <a:lnB>
+                      <a:noFill/>
+                    </a:lnB>
+                  </a:tcPr>
+                </a:tc>
+                <a:tc>
+                  <a:txBody>
+                    <a:bodyPr/>
+                    <a:lstStyle/>
+                    <a:p>
+                      <a:endParaRPr lang="en-IN" sz="1050" dirty="0"/>
+                    </a:p>
+                  </a:txBody>
+                  <a:tcPr marL="28287" marR="28287" marT="14144" marB="14144" anchor="ctr">
+                    <a:lnL>
+                      <a:noFill/>
+                    </a:lnL>
+                    <a:lnR>
+                      <a:noFill/>
+                    </a:lnR>
+                    <a:lnT>
+                      <a:noFill/>
+                    </a:lnT>
+                    <a:lnB>
+                      <a:noFill/>
+                    </a:lnB>
+                  </a:tcPr>
+                </a:tc>
+                <a:tc>
+                  <a:txBody>
+                    <a:bodyPr/>
+                    <a:lstStyle/>
+                    <a:p>
+                      <a:endParaRPr lang="en-IN" sz="1050" dirty="0"/>
+                    </a:p>
+                  </a:txBody>
+                  <a:tcPr marL="28287" marR="28287" marT="14144" marB="14144" anchor="ctr">
+                    <a:lnL>
+                      <a:noFill/>
+                    </a:lnL>
+                    <a:lnR>
+                      <a:noFill/>
+                    </a:lnR>
+                    <a:lnT>
+                      <a:noFill/>
+                    </a:lnT>
+                    <a:lnB>
+                      <a:noFill/>
+                    </a:lnB>
+                  </a:tcPr>
+                </a:tc>
+                <a:tc>
+                  <a:txBody>
+                    <a:bodyPr/>
+                    <a:lstStyle/>
+                    <a:p>
+                      <a:endParaRPr lang="en-IN" sz="1050" dirty="0"/>
+                    </a:p>
+                  </a:txBody>
+                  <a:tcPr marL="28287" marR="28287" marT="14144" marB="14144" anchor="ctr">
+                    <a:lnL>
+                      <a:noFill/>
+                    </a:lnL>
+                    <a:lnR>
+                      <a:noFill/>
+                    </a:lnR>
+                    <a:lnT>
+                      <a:noFill/>
+                    </a:lnT>
+                    <a:lnB>
+                      <a:noFill/>
+                    </a:lnB>
+                  </a:tcPr>
+                </a:tc>
+                <a:tc>
+                  <a:txBody>
+                    <a:bodyPr/>
+                    <a:lstStyle/>
+                    <a:p>
+                      <a:endParaRPr lang="en-IN" sz="1050" dirty="0"/>
+                    </a:p>
+                  </a:txBody>
+                  <a:tcPr marL="28287" marR="28287" marT="14144" marB="14144" anchor="ctr">
+                    <a:lnL>
+                      <a:noFill/>
+                    </a:lnL>
+                    <a:lnR>
+                      <a:noFill/>
+                    </a:lnR>
+                    <a:lnT>
+                      <a:noFill/>
+                    </a:lnT>
+                    <a:lnB>
+                      <a:noFill/>
+                    </a:lnB>
+                  </a:tcPr>
+                </a:tc>
+              </a:tr>
+            </a:tbl>
+          </a:graphicData>
+        </a:graphic>
+      </p:graphicFrame>
+      <p:sp>
+        <p:nvSpPr>
+          <p:cNvPr id="3" name="Title 2"/>
+          <p:cNvSpPr>
+            <a:spLocks noGrp="1"/>
+          </p:cNvSpPr>
+          <p:nvPr>
+            <p:ph type="title"/>
+          </p:nvPr>
+        </p:nvSpPr>
+        <p:spPr>
+          <a:xfrm>
+            <a:off x="457200" y="274638"/>
+            <a:ext cx="8229600" cy="715962"/>
+          </a:xfrm>
+        </p:spPr>
+        <p:txBody>
+          <a:bodyPr>
+            <a:normAutofit fontScale="90000"/>
+          </a:bodyPr>
+          <a:lstStyle/>
+          <a:p>
+            <a:r>
+              <a:rPr lang="en-US" dirty="0" smtClean="0"/>
+              <a:t>Comparison</a:t>
+            </a:r>
+            <a:endParaRPr lang="en-IN" dirty="0"/>
+          </a:p>
+        </p:txBody>
+      </p:sp>
+    </p:spTree>
+    <p:extLst>
+      <p:ext uri="{BB962C8B-B14F-4D97-AF65-F5344CB8AC3E}">
+        <p14:creationId xmlns:p14="http://schemas.microsoft.com/office/powerpoint/2010/main" val="292880416"/>
+      </p:ext>
+    </p:extLst>
+  </p:cSld>
+  <p:clrMapOvr>
+    <a:masterClrMapping/>
+  </p:clrMapOvr>
+</p:sld>
+</file>
+
+<file path=ppt/slides/slide32.xml><?xml version="1.0" encoding="utf-8"?>
+<p:sld xmlns:a="http://schemas.openxmlformats.org/drawingml/2006/main" xmlns:r="http://schemas.openxmlformats.org/officeDocument/2006/relationships" xmlns:p="http://schemas.openxmlformats.org/presentationml/2006/main">
+  <p:cSld>
+    <p:spTree>
+      <p:nvGrpSpPr>
+        <p:cNvPr id="1" name=""/>
+        <p:cNvGrpSpPr/>
+        <p:nvPr/>
+      </p:nvGrpSpPr>
+      <p:grpSpPr>
+        <a:xfrm>
+          <a:off x="0" y="0"/>
+          <a:ext cx="0" cy="0"/>
+          <a:chOff x="0" y="0"/>
+          <a:chExt cx="0" cy="0"/>
+        </a:xfrm>
+      </p:grpSpPr>
+      <p:graphicFrame>
+        <p:nvGraphicFramePr>
+          <p:cNvPr id="11" name="Content Placeholder 10"/>
+          <p:cNvGraphicFramePr>
+            <a:graphicFrameLocks noGrp="1"/>
+          </p:cNvGraphicFramePr>
+          <p:nvPr>
+            <p:ph idx="1"/>
+            <p:extLst>
+              <p:ext uri="{D42A27DB-BD31-4B8C-83A1-F6EECF244321}">
+                <p14:modId xmlns:p14="http://schemas.microsoft.com/office/powerpoint/2010/main" val="2156430504"/>
+              </p:ext>
+            </p:extLst>
+          </p:nvPr>
+        </p:nvGraphicFramePr>
+        <p:xfrm>
+          <a:off x="381000" y="1447800"/>
+          <a:ext cx="8153400" cy="3835404"/>
+        </p:xfrm>
+        <a:graphic>
+          <a:graphicData uri="http://schemas.openxmlformats.org/drawingml/2006/table">
+            <a:tbl>
+              <a:tblPr/>
+              <a:tblGrid>
+                <a:gridCol w="2717800"/>
+                <a:gridCol w="2717800"/>
+                <a:gridCol w="2717800"/>
+              </a:tblGrid>
+              <a:tr h="362373">
+                <a:tc>
+                  <a:txBody>
+                    <a:bodyPr/>
+                    <a:lstStyle/>
+                    <a:p>
+                      <a:r>
+                        <a:rPr lang="en-IN" sz="1800" dirty="0"/>
+                        <a:t>Metric</a:t>
+                      </a:r>
+                    </a:p>
+                  </a:txBody>
+                  <a:tcPr marL="90593" marR="90593" marT="45297" marB="45297" anchor="ctr">
+                    <a:lnL>
+                      <a:noFill/>
+                    </a:lnL>
+                    <a:lnR>
+                      <a:noFill/>
+                    </a:lnR>
+                    <a:lnT>
+                      <a:noFill/>
+                    </a:lnT>
+                    <a:lnB>
+                      <a:noFill/>
+                    </a:lnB>
+                  </a:tcPr>
+                </a:tc>
+                <a:tc>
+                  <a:txBody>
+                    <a:bodyPr/>
+                    <a:lstStyle/>
+                    <a:p>
+                      <a:r>
+                        <a:rPr lang="en-IN" sz="1800"/>
+                        <a:t>Description</a:t>
+                      </a:r>
+                    </a:p>
+                  </a:txBody>
+                  <a:tcPr marL="90593" marR="90593" marT="45297" marB="45297" anchor="ctr">
+                    <a:lnL>
+                      <a:noFill/>
+                    </a:lnL>
+                    <a:lnR>
+                      <a:noFill/>
+                    </a:lnR>
+                    <a:lnT>
+                      <a:noFill/>
+                    </a:lnT>
+                    <a:lnB>
+                      <a:noFill/>
+                    </a:lnB>
+                  </a:tcPr>
+                </a:tc>
+                <a:tc>
+                  <a:txBody>
+                    <a:bodyPr/>
+                    <a:lstStyle/>
+                    <a:p>
+                      <a:r>
+                        <a:rPr lang="en-IN" sz="1800"/>
+                        <a:t>Best Algorithms</a:t>
+                      </a:r>
+                    </a:p>
+                  </a:txBody>
+                  <a:tcPr marL="90593" marR="90593" marT="45297" marB="45297" anchor="ctr">
+                    <a:lnL>
+                      <a:noFill/>
+                    </a:lnL>
+                    <a:lnR>
+                      <a:noFill/>
+                    </a:lnR>
+                    <a:lnT>
+                      <a:noFill/>
+                    </a:lnT>
+                    <a:lnB>
+                      <a:noFill/>
+                    </a:lnB>
+                  </a:tcPr>
+                </a:tc>
+              </a:tr>
+              <a:tr h="634153">
+                <a:tc>
+                  <a:txBody>
+                    <a:bodyPr/>
+                    <a:lstStyle/>
+                    <a:p>
+                      <a:r>
+                        <a:rPr lang="en-IN" sz="1800" b="1" dirty="0"/>
+                        <a:t>Speed/Scalability</a:t>
+                      </a:r>
+                      <a:endParaRPr lang="en-IN" sz="1800" dirty="0"/>
+                    </a:p>
+                  </a:txBody>
+                  <a:tcPr marL="90593" marR="90593" marT="45297" marB="45297" anchor="ctr">
+                    <a:lnL>
+                      <a:noFill/>
+                    </a:lnL>
+                    <a:lnR>
+                      <a:noFill/>
+                    </a:lnR>
+                    <a:lnT>
+                      <a:noFill/>
+                    </a:lnT>
+                    <a:lnB>
+                      <a:noFill/>
+                    </a:lnB>
+                  </a:tcPr>
+                </a:tc>
+                <a:tc>
+                  <a:txBody>
+                    <a:bodyPr/>
+                    <a:lstStyle/>
+                    <a:p>
+                      <a:r>
+                        <a:rPr lang="en-US" sz="1800"/>
+                        <a:t>How fast the algorithm runs on large datasets</a:t>
+                      </a:r>
+                    </a:p>
+                  </a:txBody>
+                  <a:tcPr marL="90593" marR="90593" marT="45297" marB="45297" anchor="ctr">
+                    <a:lnL>
+                      <a:noFill/>
+                    </a:lnL>
+                    <a:lnR>
+                      <a:noFill/>
+                    </a:lnR>
+                    <a:lnT>
+                      <a:noFill/>
+                    </a:lnT>
+                    <a:lnB>
+                      <a:noFill/>
+                    </a:lnB>
+                  </a:tcPr>
+                </a:tc>
+                <a:tc>
+                  <a:txBody>
+                    <a:bodyPr/>
+                    <a:lstStyle/>
+                    <a:p>
+                      <a:r>
+                        <a:rPr lang="en-IN" sz="1800"/>
+                        <a:t>K-Means, BIRCH</a:t>
+                      </a:r>
+                    </a:p>
+                  </a:txBody>
+                  <a:tcPr marL="90593" marR="90593" marT="45297" marB="45297" anchor="ctr">
+                    <a:lnL>
+                      <a:noFill/>
+                    </a:lnL>
+                    <a:lnR>
+                      <a:noFill/>
+                    </a:lnR>
+                    <a:lnT>
+                      <a:noFill/>
+                    </a:lnT>
+                    <a:lnB>
+                      <a:noFill/>
+                    </a:lnB>
+                  </a:tcPr>
+                </a:tc>
+              </a:tr>
+              <a:tr h="634153">
+                <a:tc>
+                  <a:txBody>
+                    <a:bodyPr/>
+                    <a:lstStyle/>
+                    <a:p>
+                      <a:r>
+                        <a:rPr lang="en-IN" sz="1800" b="1" dirty="0"/>
+                        <a:t>Shape of Clusters</a:t>
+                      </a:r>
+                      <a:endParaRPr lang="en-IN" sz="1800" dirty="0"/>
+                    </a:p>
+                  </a:txBody>
+                  <a:tcPr marL="90593" marR="90593" marT="45297" marB="45297" anchor="ctr">
+                    <a:lnL>
+                      <a:noFill/>
+                    </a:lnL>
+                    <a:lnR>
+                      <a:noFill/>
+                    </a:lnR>
+                    <a:lnT>
+                      <a:noFill/>
+                    </a:lnT>
+                    <a:lnB>
+                      <a:noFill/>
+                    </a:lnB>
+                  </a:tcPr>
+                </a:tc>
+                <a:tc>
+                  <a:txBody>
+                    <a:bodyPr/>
+                    <a:lstStyle/>
+                    <a:p>
+                      <a:r>
+                        <a:rPr lang="en-US" sz="1800"/>
+                        <a:t>Can it detect non-spherical clusters?</a:t>
+                      </a:r>
+                    </a:p>
+                  </a:txBody>
+                  <a:tcPr marL="90593" marR="90593" marT="45297" marB="45297" anchor="ctr">
+                    <a:lnL>
+                      <a:noFill/>
+                    </a:lnL>
+                    <a:lnR>
+                      <a:noFill/>
+                    </a:lnR>
+                    <a:lnT>
+                      <a:noFill/>
+                    </a:lnT>
+                    <a:lnB>
+                      <a:noFill/>
+                    </a:lnB>
+                  </a:tcPr>
+                </a:tc>
+                <a:tc>
+                  <a:txBody>
+                    <a:bodyPr/>
+                    <a:lstStyle/>
+                    <a:p>
+                      <a:r>
+                        <a:rPr lang="en-IN" sz="1800"/>
+                        <a:t>DBSCAN, Spectral, GMM</a:t>
+                      </a:r>
+                    </a:p>
+                  </a:txBody>
+                  <a:tcPr marL="90593" marR="90593" marT="45297" marB="45297" anchor="ctr">
+                    <a:lnL>
+                      <a:noFill/>
+                    </a:lnL>
+                    <a:lnR>
+                      <a:noFill/>
+                    </a:lnR>
+                    <a:lnT>
+                      <a:noFill/>
+                    </a:lnT>
+                    <a:lnB>
+                      <a:noFill/>
+                    </a:lnB>
+                  </a:tcPr>
+                </a:tc>
+              </a:tr>
+              <a:tr h="362373">
+                <a:tc>
+                  <a:txBody>
+                    <a:bodyPr/>
+                    <a:lstStyle/>
+                    <a:p>
+                      <a:r>
+                        <a:rPr lang="en-IN" sz="1800" b="1"/>
+                        <a:t>Robustness to Noise</a:t>
+                      </a:r>
+                      <a:endParaRPr lang="en-IN" sz="1800"/>
+                    </a:p>
+                  </a:txBody>
+                  <a:tcPr marL="90593" marR="90593" marT="45297" marB="45297" anchor="ctr">
+                    <a:lnL>
+                      <a:noFill/>
+                    </a:lnL>
+                    <a:lnR>
+                      <a:noFill/>
+                    </a:lnR>
+                    <a:lnT>
+                      <a:noFill/>
+                    </a:lnT>
+                    <a:lnB>
+                      <a:noFill/>
+                    </a:lnB>
+                  </a:tcPr>
+                </a:tc>
+                <a:tc>
+                  <a:txBody>
+                    <a:bodyPr/>
+                    <a:lstStyle/>
+                    <a:p>
+                      <a:r>
+                        <a:rPr lang="en-IN" sz="1800"/>
+                        <a:t>Can it handle outliers?</a:t>
+                      </a:r>
+                    </a:p>
+                  </a:txBody>
+                  <a:tcPr marL="90593" marR="90593" marT="45297" marB="45297" anchor="ctr">
+                    <a:lnL>
+                      <a:noFill/>
+                    </a:lnL>
+                    <a:lnR>
+                      <a:noFill/>
+                    </a:lnR>
+                    <a:lnT>
+                      <a:noFill/>
+                    </a:lnT>
+                    <a:lnB>
+                      <a:noFill/>
+                    </a:lnB>
+                  </a:tcPr>
+                </a:tc>
+                <a:tc>
+                  <a:txBody>
+                    <a:bodyPr/>
+                    <a:lstStyle/>
+                    <a:p>
+                      <a:r>
+                        <a:rPr lang="en-IN" sz="1800"/>
+                        <a:t>DBSCAN, OPTICS</a:t>
+                      </a:r>
+                    </a:p>
+                  </a:txBody>
+                  <a:tcPr marL="90593" marR="90593" marT="45297" marB="45297" anchor="ctr">
+                    <a:lnL>
+                      <a:noFill/>
+                    </a:lnL>
+                    <a:lnR>
+                      <a:noFill/>
+                    </a:lnR>
+                    <a:lnT>
+                      <a:noFill/>
+                    </a:lnT>
+                    <a:lnB>
+                      <a:noFill/>
+                    </a:lnB>
+                  </a:tcPr>
+                </a:tc>
+              </a:tr>
+              <a:tr h="905933">
+                <a:tc>
+                  <a:txBody>
+                    <a:bodyPr/>
+                    <a:lstStyle/>
+                    <a:p>
+                      <a:r>
+                        <a:rPr lang="en-IN" sz="1800" b="1"/>
+                        <a:t>Number of Clusters</a:t>
+                      </a:r>
+                      <a:endParaRPr lang="en-IN" sz="1800"/>
+                    </a:p>
+                  </a:txBody>
+                  <a:tcPr marL="90593" marR="90593" marT="45297" marB="45297" anchor="ctr">
+                    <a:lnL>
+                      <a:noFill/>
+                    </a:lnL>
+                    <a:lnR>
+                      <a:noFill/>
+                    </a:lnR>
+                    <a:lnT>
+                      <a:noFill/>
+                    </a:lnT>
+                    <a:lnB>
+                      <a:noFill/>
+                    </a:lnB>
+                  </a:tcPr>
+                </a:tc>
+                <a:tc>
+                  <a:txBody>
+                    <a:bodyPr/>
+                    <a:lstStyle/>
+                    <a:p>
+                      <a:r>
+                        <a:rPr lang="en-US" sz="1800"/>
+                        <a:t>Does it auto-determine the optimal number?</a:t>
+                      </a:r>
+                    </a:p>
+                  </a:txBody>
+                  <a:tcPr marL="90593" marR="90593" marT="45297" marB="45297" anchor="ctr">
+                    <a:lnL>
+                      <a:noFill/>
+                    </a:lnL>
+                    <a:lnR>
+                      <a:noFill/>
+                    </a:lnR>
+                    <a:lnT>
+                      <a:noFill/>
+                    </a:lnT>
+                    <a:lnB>
+                      <a:noFill/>
+                    </a:lnB>
+                  </a:tcPr>
+                </a:tc>
+                <a:tc>
+                  <a:txBody>
+                    <a:bodyPr/>
+                    <a:lstStyle/>
+                    <a:p>
+                      <a:r>
+                        <a:rPr lang="en-IN" sz="1800"/>
+                        <a:t>Mean Shift, DBSCAN, OPTICS</a:t>
+                      </a:r>
+                    </a:p>
+                  </a:txBody>
+                  <a:tcPr marL="90593" marR="90593" marT="45297" marB="45297" anchor="ctr">
+                    <a:lnL>
+                      <a:noFill/>
+                    </a:lnL>
+                    <a:lnR>
+                      <a:noFill/>
+                    </a:lnR>
+                    <a:lnT>
+                      <a:noFill/>
+                    </a:lnT>
+                    <a:lnB>
+                      <a:noFill/>
+                    </a:lnB>
+                  </a:tcPr>
+                </a:tc>
+              </a:tr>
+              <a:tr h="634153">
+                <a:tc>
+                  <a:txBody>
+                    <a:bodyPr/>
+                    <a:lstStyle/>
+                    <a:p>
+                      <a:r>
+                        <a:rPr lang="en-IN" sz="1800" b="1"/>
+                        <a:t>Interpretability</a:t>
+                      </a:r>
+                      <a:endParaRPr lang="en-IN" sz="1800"/>
+                    </a:p>
+                  </a:txBody>
+                  <a:tcPr marL="90593" marR="90593" marT="45297" marB="45297" anchor="ctr">
+                    <a:lnL>
+                      <a:noFill/>
+                    </a:lnL>
+                    <a:lnR>
+                      <a:noFill/>
+                    </a:lnR>
+                    <a:lnT>
+                      <a:noFill/>
+                    </a:lnT>
+                    <a:lnB>
+                      <a:noFill/>
+                    </a:lnB>
+                  </a:tcPr>
+                </a:tc>
+                <a:tc>
+                  <a:txBody>
+                    <a:bodyPr/>
+                    <a:lstStyle/>
+                    <a:p>
+                      <a:r>
+                        <a:rPr lang="en-US" sz="1800"/>
+                        <a:t>Ease of understanding and explaining results</a:t>
+                      </a:r>
+                    </a:p>
+                  </a:txBody>
+                  <a:tcPr marL="90593" marR="90593" marT="45297" marB="45297" anchor="ctr">
+                    <a:lnL>
+                      <a:noFill/>
+                    </a:lnL>
+                    <a:lnR>
+                      <a:noFill/>
+                    </a:lnR>
+                    <a:lnT>
+                      <a:noFill/>
+                    </a:lnT>
+                    <a:lnB>
+                      <a:noFill/>
+                    </a:lnB>
+                  </a:tcPr>
+                </a:tc>
+                <a:tc>
+                  <a:txBody>
+                    <a:bodyPr/>
+                    <a:lstStyle/>
+                    <a:p>
+                      <a:r>
+                        <a:rPr lang="en-IN" sz="1800" dirty="0"/>
+                        <a:t>K-Means, Hierarchical</a:t>
+                      </a:r>
+                    </a:p>
+                  </a:txBody>
+                  <a:tcPr marL="90593" marR="90593" marT="45297" marB="45297" anchor="ctr">
+                    <a:lnL>
+                      <a:noFill/>
+                    </a:lnL>
+                    <a:lnR>
+                      <a:noFill/>
+                    </a:lnR>
+                    <a:lnT>
+                      <a:noFill/>
+                    </a:lnT>
+                    <a:lnB>
+                      <a:noFill/>
+                    </a:lnB>
+                  </a:tcPr>
+                </a:tc>
+              </a:tr>
+            </a:tbl>
+          </a:graphicData>
+        </a:graphic>
+      </p:graphicFrame>
+      <p:sp>
+        <p:nvSpPr>
+          <p:cNvPr id="3" name="Title 2"/>
+          <p:cNvSpPr>
+            <a:spLocks noGrp="1"/>
+          </p:cNvSpPr>
+          <p:nvPr>
+            <p:ph type="title"/>
+          </p:nvPr>
+        </p:nvSpPr>
+        <p:spPr/>
+        <p:txBody>
+          <a:bodyPr/>
+          <a:lstStyle/>
+          <a:p>
+            <a:r>
+              <a:rPr lang="en-US" dirty="0" smtClean="0"/>
+              <a:t>Metrics</a:t>
+            </a:r>
+            <a:endParaRPr lang="en-IN" dirty="0"/>
+          </a:p>
+        </p:txBody>
+      </p:sp>
+    </p:spTree>
+    <p:extLst>
+      <p:ext uri="{BB962C8B-B14F-4D97-AF65-F5344CB8AC3E}">
+        <p14:creationId xmlns:p14="http://schemas.microsoft.com/office/powerpoint/2010/main" val="2464869878"/>
+      </p:ext>
+    </p:extLst>
+  </p:cSld>
+  <p:clrMapOvr>
+    <a:masterClrMapping/>
+  </p:clrMapOvr>
+  <p:timing>
+    <p:tnLst>
+      <p:par>
+        <p:cTn id="1" dur="indefinite" restart="never" nodeType="tmRoot"/>
+      </p:par>
+    </p:tnLst>
+  </p:timing>
+</p:sld>
+</file>
+
+<file path=ppt/slides/slide33.xml><?xml version="1.0" encoding="utf-8"?>
+<p:sld xmlns:a="http://schemas.openxmlformats.org/drawingml/2006/main" xmlns:r="http://schemas.openxmlformats.org/officeDocument/2006/relationships" xmlns:p="http://schemas.openxmlformats.org/presentationml/2006/main">
+  <p:cSld>
+    <p:spTree>
+      <p:nvGrpSpPr>
+        <p:cNvPr id="1" name=""/>
+        <p:cNvGrpSpPr/>
+        <p:nvPr/>
+      </p:nvGrpSpPr>
+      <p:grpSpPr>
+        <a:xfrm>
+          <a:off x="0" y="0"/>
+          <a:ext cx="0" cy="0"/>
+          <a:chOff x="0" y="0"/>
+          <a:chExt cx="0" cy="0"/>
+        </a:xfrm>
+      </p:grpSpPr>
       <p:sp>
         <p:nvSpPr>
           <p:cNvPr id="2" name="Content Placeholder 1"/>
@@ -9437,6 +11677,54 @@
           </a:bodyPr>
           <a:lstStyle/>
           <a:p>
+            <a:r>
+              <a:rPr lang="en-US" sz="2000" dirty="0">
+                <a:latin typeface="Palatino Linotype" pitchFamily="18" charset="0"/>
+              </a:rPr>
+              <a:t>Do I know how many clusters I want? → Try K-Means or GMM</a:t>
+            </a:r>
+          </a:p>
+          <a:p>
+            <a:r>
+              <a:rPr lang="en-US" sz="2000" dirty="0">
+                <a:latin typeface="Palatino Linotype" pitchFamily="18" charset="0"/>
+              </a:rPr>
+              <a:t>Is my data noisy or contains outliers? → Try DBSCAN or OPTICS</a:t>
+            </a:r>
+          </a:p>
+          <a:p>
+            <a:r>
+              <a:rPr lang="en-US" sz="2000" dirty="0">
+                <a:latin typeface="Palatino Linotype" pitchFamily="18" charset="0"/>
+              </a:rPr>
+              <a:t>Are my clusters irregularly shaped? → Try Spectral Clustering</a:t>
+            </a:r>
+          </a:p>
+          <a:p>
+            <a:r>
+              <a:rPr lang="en-US" sz="2000" dirty="0">
+                <a:latin typeface="Palatino Linotype" pitchFamily="18" charset="0"/>
+              </a:rPr>
+              <a:t>Do I need soft clustering? → Try GMM</a:t>
+            </a:r>
+          </a:p>
+          <a:p>
+            <a:r>
+              <a:rPr lang="en-US" sz="2000" dirty="0">
+                <a:latin typeface="Palatino Linotype" pitchFamily="18" charset="0"/>
+              </a:rPr>
+              <a:t>Is interpretability important? → Try Hierarchical Clustering</a:t>
+            </a:r>
+          </a:p>
+          <a:p>
+            <a:r>
+              <a:rPr lang="en-US" sz="2000" dirty="0">
+                <a:latin typeface="Palatino Linotype" pitchFamily="18" charset="0"/>
+              </a:rPr>
+              <a:t>Am I working with a large dataset? → Try BIRCH, K-Means</a:t>
+            </a:r>
+          </a:p>
+          <a:p>
             <a:endParaRPr lang="en-IN" dirty="0"/>
           </a:p>
         </p:txBody>
@@ -9453,12 +11741,14 @@
         </p:nvSpPr>
         <p:spPr/>
         <p:txBody>
-          <a:bodyPr/>
+          <a:bodyPr>
+            <a:normAutofit fontScale="90000"/>
+          </a:bodyPr>
           <a:lstStyle/>
           <a:p>
             <a:r>
               <a:rPr lang="en-US" dirty="0" smtClean="0"/>
-              <a:t>THANK YOU !!</a:t>
+              <a:t>Tips to choose a right Algorithm</a:t>
             </a:r>
             <a:endParaRPr lang="en-IN" dirty="0"/>
           </a:p>
@@ -9468,6 +11758,92 @@
     <p:extLst>
       <p:ext uri="{BB962C8B-B14F-4D97-AF65-F5344CB8AC3E}">
         <p14:creationId xmlns:p14="http://schemas.microsoft.com/office/powerpoint/2010/main" val="3962041045"/>
+      </p:ext>
+    </p:extLst>
+  </p:cSld>
+  <p:clrMapOvr>
+    <a:masterClrMapping/>
+  </p:clrMapOvr>
+  <p:timing>
+    <p:tnLst>
+      <p:par>
+        <p:cTn id="1" dur="indefinite" restart="never" nodeType="tmRoot"/>
+      </p:par>
+    </p:tnLst>
+  </p:timing>
+</p:sld>
+</file>
+
+<file path=ppt/slides/slide34.xml><?xml version="1.0" encoding="utf-8"?>
+<p:sld xmlns:a="http://schemas.openxmlformats.org/drawingml/2006/main" xmlns:r="http://schemas.openxmlformats.org/officeDocument/2006/relationships" xmlns:p="http://schemas.openxmlformats.org/presentationml/2006/main">
+  <p:cSld>
+    <p:spTree>
+      <p:nvGrpSpPr>
+        <p:cNvPr id="1" name=""/>
+        <p:cNvGrpSpPr/>
+        <p:nvPr/>
+      </p:nvGrpSpPr>
+      <p:grpSpPr>
+        <a:xfrm>
+          <a:off x="0" y="0"/>
+          <a:ext cx="0" cy="0"/>
+          <a:chOff x="0" y="0"/>
+          <a:chExt cx="0" cy="0"/>
+        </a:xfrm>
+      </p:grpSpPr>
+      <p:sp>
+        <p:nvSpPr>
+          <p:cNvPr id="2" name="Content Placeholder 1"/>
+          <p:cNvSpPr>
+            <a:spLocks noGrp="1"/>
+          </p:cNvSpPr>
+          <p:nvPr>
+            <p:ph idx="1"/>
+          </p:nvPr>
+        </p:nvSpPr>
+        <p:spPr>
+          <a:xfrm>
+            <a:off x="457201" y="1828800"/>
+            <a:ext cx="8153400" cy="4800600"/>
+          </a:xfrm>
+        </p:spPr>
+        <p:txBody>
+          <a:bodyPr>
+            <a:normAutofit/>
+          </a:bodyPr>
+          <a:lstStyle/>
+          <a:p>
+            <a:endParaRPr lang="en-IN" dirty="0"/>
+          </a:p>
+        </p:txBody>
+      </p:sp>
+      <p:sp>
+        <p:nvSpPr>
+          <p:cNvPr id="3" name="Title 2"/>
+          <p:cNvSpPr>
+            <a:spLocks noGrp="1"/>
+          </p:cNvSpPr>
+          <p:nvPr>
+            <p:ph type="title"/>
+          </p:nvPr>
+        </p:nvSpPr>
+        <p:spPr/>
+        <p:txBody>
+          <a:bodyPr/>
+          <a:lstStyle/>
+          <a:p>
+            <a:r>
+              <a:rPr lang="en-US" dirty="0" smtClean="0"/>
+              <a:t>THANK YOU !!</a:t>
+            </a:r>
+            <a:endParaRPr lang="en-IN" dirty="0"/>
+          </a:p>
+        </p:txBody>
+      </p:sp>
+    </p:spTree>
+    <p:extLst>
+      <p:ext uri="{BB962C8B-B14F-4D97-AF65-F5344CB8AC3E}">
+        <p14:creationId xmlns:p14="http://schemas.microsoft.com/office/powerpoint/2010/main" val="4187321006"/>
       </p:ext>
     </p:extLst>
   </p:cSld>
